--- a/추가자료/팀 프로젝트.pptx
+++ b/추가자료/팀 프로젝트.pptx
@@ -214,7 +214,7 @@
           <a:p>
             <a:fld id="{5AA9562C-79DD-4A8D-BE1D-6F8625BCFFE8}" type="datetimeFigureOut">
               <a:rPr lang="ko-KR" altLang="en-US" smtClean="0"/>
-              <a:t>2019-05-02</a:t>
+              <a:t>2019-05-16</a:t>
             </a:fld>
             <a:endParaRPr lang="ko-KR" altLang="en-US"/>
           </a:p>
@@ -613,7 +613,7 @@
           <a:p>
             <a:fld id="{6E28F81A-0F75-4518-9F3E-C4F3859EB2F3}" type="datetime1">
               <a:rPr lang="ko-KR" altLang="en-US" smtClean="0"/>
-              <a:t>2019-05-02</a:t>
+              <a:t>2019-05-16</a:t>
             </a:fld>
             <a:endParaRPr lang="ko-KR" altLang="en-US"/>
           </a:p>
@@ -790,7 +790,7 @@
           <a:p>
             <a:fld id="{58F6B671-533D-419F-AB30-469C7350B345}" type="datetime1">
               <a:rPr lang="ko-KR" altLang="en-US" smtClean="0"/>
-              <a:t>2019-05-02</a:t>
+              <a:t>2019-05-16</a:t>
             </a:fld>
             <a:endParaRPr lang="ko-KR" altLang="en-US"/>
           </a:p>
@@ -970,7 +970,7 @@
           <a:p>
             <a:fld id="{2869C467-2FE4-4A88-BE65-5FEE8F8A1804}" type="datetime1">
               <a:rPr lang="ko-KR" altLang="en-US" smtClean="0"/>
-              <a:t>2019-05-02</a:t>
+              <a:t>2019-05-16</a:t>
             </a:fld>
             <a:endParaRPr lang="ko-KR" altLang="en-US"/>
           </a:p>
@@ -1140,7 +1140,7 @@
           <a:p>
             <a:fld id="{58F8EF63-4288-40B9-9BC0-4B3BA3DCF6C4}" type="datetime1">
               <a:rPr lang="ko-KR" altLang="en-US" smtClean="0"/>
-              <a:t>2019-05-02</a:t>
+              <a:t>2019-05-16</a:t>
             </a:fld>
             <a:endParaRPr lang="ko-KR" altLang="en-US"/>
           </a:p>
@@ -1393,7 +1393,7 @@
           <a:p>
             <a:fld id="{20FA6268-74FA-422C-A827-12E595090E00}" type="datetime1">
               <a:rPr lang="ko-KR" altLang="en-US" smtClean="0"/>
-              <a:t>2019-05-02</a:t>
+              <a:t>2019-05-16</a:t>
             </a:fld>
             <a:endParaRPr lang="ko-KR" altLang="en-US"/>
           </a:p>
@@ -1625,7 +1625,7 @@
           <a:p>
             <a:fld id="{5D5705B2-EE15-4E6F-9173-F102FD228D10}" type="datetime1">
               <a:rPr lang="ko-KR" altLang="en-US" smtClean="0"/>
-              <a:t>2019-05-02</a:t>
+              <a:t>2019-05-16</a:t>
             </a:fld>
             <a:endParaRPr lang="ko-KR" altLang="en-US"/>
           </a:p>
@@ -1992,7 +1992,7 @@
           <a:p>
             <a:fld id="{0F1DE969-2F0C-465D-AA61-6A2A62D5D8A2}" type="datetime1">
               <a:rPr lang="ko-KR" altLang="en-US" smtClean="0"/>
-              <a:t>2019-05-02</a:t>
+              <a:t>2019-05-16</a:t>
             </a:fld>
             <a:endParaRPr lang="ko-KR" altLang="en-US"/>
           </a:p>
@@ -2110,7 +2110,7 @@
           <a:p>
             <a:fld id="{89C2CF1B-A003-42D2-88E1-8504CA4E0C8E}" type="datetime1">
               <a:rPr lang="ko-KR" altLang="en-US" smtClean="0"/>
-              <a:t>2019-05-02</a:t>
+              <a:t>2019-05-16</a:t>
             </a:fld>
             <a:endParaRPr lang="ko-KR" altLang="en-US"/>
           </a:p>
@@ -2205,7 +2205,7 @@
           <a:p>
             <a:fld id="{8498EDEF-4C5F-4211-BA0D-0C48D1C30471}" type="datetime1">
               <a:rPr lang="ko-KR" altLang="en-US" smtClean="0"/>
-              <a:t>2019-05-02</a:t>
+              <a:t>2019-05-16</a:t>
             </a:fld>
             <a:endParaRPr lang="ko-KR" altLang="en-US"/>
           </a:p>
@@ -2482,7 +2482,7 @@
           <a:p>
             <a:fld id="{FF217505-6546-4C62-9676-A50CFE73A407}" type="datetime1">
               <a:rPr lang="ko-KR" altLang="en-US" smtClean="0"/>
-              <a:t>2019-05-02</a:t>
+              <a:t>2019-05-16</a:t>
             </a:fld>
             <a:endParaRPr lang="ko-KR" altLang="en-US"/>
           </a:p>
@@ -2735,7 +2735,7 @@
           <a:p>
             <a:fld id="{F762680B-27E2-431F-8D70-A5A071785EBD}" type="datetime1">
               <a:rPr lang="ko-KR" altLang="en-US" smtClean="0"/>
-              <a:t>2019-05-02</a:t>
+              <a:t>2019-05-16</a:t>
             </a:fld>
             <a:endParaRPr lang="ko-KR" altLang="en-US"/>
           </a:p>
@@ -2948,7 +2948,7 @@
           <a:p>
             <a:fld id="{7E99820A-345B-4F23-B347-4030C9092170}" type="datetime1">
               <a:rPr lang="ko-KR" altLang="en-US" smtClean="0"/>
-              <a:t>2019-05-02</a:t>
+              <a:t>2019-05-16</a:t>
             </a:fld>
             <a:endParaRPr lang="ko-KR" altLang="en-US"/>
           </a:p>
@@ -3439,11 +3439,7 @@
             </a:pPr>
             <a:r>
               <a:rPr lang="ko-KR" altLang="en-US" sz="3200" b="1" dirty="0" smtClean="0"/>
-              <a:t>웹 </a:t>
-            </a:r>
-            <a:r>
-              <a:rPr lang="ko-KR" altLang="en-US" sz="3200" b="1" dirty="0" smtClean="0"/>
-              <a:t>프로그래밍</a:t>
+              <a:t>웹 프로그래밍</a:t>
             </a:r>
             <a:r>
               <a:rPr lang="en-US" altLang="ko-KR" sz="3200" b="1" dirty="0" smtClean="0"/>
@@ -3683,17 +3679,8 @@
               <a:rPr lang="en-US" altLang="ko-KR" dirty="0" smtClean="0">
                 <a:latin typeface="+mn-ea"/>
               </a:rPr>
-              <a:t>: 2019. </a:t>
-            </a:r>
-            <a:r>
-              <a:rPr lang="en-US" altLang="ko-KR" dirty="0" smtClean="0">
-                <a:latin typeface="+mn-ea"/>
-              </a:rPr>
-              <a:t>05. 02</a:t>
-            </a:r>
-            <a:endParaRPr lang="en-US" altLang="ko-KR" dirty="0" smtClean="0">
-              <a:latin typeface="+mn-ea"/>
-            </a:endParaRPr>
+              <a:t>: 2019. 05. 02</a:t>
+            </a:r>
           </a:p>
           <a:p>
             <a:pPr>
@@ -4113,11 +4100,6 @@
               </a:rPr>
               <a:t>평가 방법</a:t>
             </a:r>
-            <a:endParaRPr lang="ko-KR" altLang="en-US" b="1" dirty="0" smtClean="0">
-              <a:solidFill>
-                <a:schemeClr val="bg1"/>
-              </a:solidFill>
-            </a:endParaRPr>
           </a:p>
         </p:txBody>
       </p:sp>
@@ -5688,7 +5670,11 @@
             </a:r>
             <a:r>
               <a:rPr lang="en-US" altLang="ko-KR" sz="1600" dirty="0" smtClean="0"/>
-              <a:t>(20%)</a:t>
+              <a:t>(30</a:t>
+            </a:r>
+            <a:r>
+              <a:rPr lang="en-US" altLang="ko-KR" sz="1600" dirty="0" smtClean="0"/>
+              <a:t>%)</a:t>
             </a:r>
             <a:br>
               <a:rPr lang="en-US" altLang="ko-KR" sz="1600" dirty="0" smtClean="0"/>
@@ -5766,7 +5752,11 @@
             </a:r>
             <a:r>
               <a:rPr lang="en-US" altLang="ko-KR" sz="1600" dirty="0" smtClean="0"/>
-              <a:t>(20%)</a:t>
+              <a:t>(30%)</a:t>
+            </a:r>
+            <a:r>
+              <a:rPr lang="en-US" altLang="ko-KR" sz="1600" dirty="0" smtClean="0"/>
+              <a:t/>
             </a:r>
             <a:br>
               <a:rPr lang="en-US" altLang="ko-KR" sz="1600" dirty="0" smtClean="0"/>
@@ -5781,7 +5771,15 @@
             </a:r>
             <a:r>
               <a:rPr lang="en-US" altLang="ko-KR" sz="1600" dirty="0" smtClean="0"/>
-              <a:t>(40%)</a:t>
+              <a:t>(40</a:t>
+            </a:r>
+            <a:r>
+              <a:rPr lang="en-US" altLang="ko-KR" sz="1600" dirty="0" smtClean="0"/>
+              <a:t>%)</a:t>
+            </a:r>
+            <a:r>
+              <a:rPr lang="en-US" altLang="ko-KR" sz="1600" dirty="0" smtClean="0"/>
+              <a:t/>
             </a:r>
             <a:br>
               <a:rPr lang="en-US" altLang="ko-KR" sz="1600" dirty="0" smtClean="0"/>
@@ -5816,7 +5814,11 @@
             </a:r>
             <a:r>
               <a:rPr lang="ko-KR" altLang="en-US" sz="1600" dirty="0" smtClean="0"/>
-              <a:t>게시판 구현</a:t>
+              <a:t>게시판 </a:t>
+            </a:r>
+            <a:r>
+              <a:rPr lang="ko-KR" altLang="en-US" sz="1600" dirty="0" smtClean="0"/>
+              <a:t>구현</a:t>
             </a:r>
             <a:r>
               <a:rPr lang="en-US" altLang="ko-KR" sz="1600" dirty="0" smtClean="0"/>
@@ -5827,24 +5829,29 @@
             </a:br>
             <a:r>
               <a:rPr lang="en-US" altLang="ko-KR" sz="1600" dirty="0" smtClean="0"/>
-              <a:t>4) Q&amp;A </a:t>
+              <a:t>   - PHP</a:t>
             </a:r>
             <a:r>
               <a:rPr lang="ko-KR" altLang="en-US" sz="1600" dirty="0" smtClean="0"/>
-              <a:t>시</a:t>
+              <a:t>를 </a:t>
+            </a:r>
+            <a:r>
+              <a:rPr lang="ko-KR" altLang="en-US" sz="1600" dirty="0" smtClean="0"/>
+              <a:t>사용한 템플릿이나 </a:t>
             </a:r>
             <a:r>
               <a:rPr lang="en-US" altLang="ko-KR" sz="1600" dirty="0" smtClean="0"/>
-              <a:t>, </a:t>
+              <a:t>plug-in </a:t>
             </a:r>
             <a:r>
               <a:rPr lang="ko-KR" altLang="en-US" sz="1600" dirty="0" smtClean="0"/>
-              <a:t>명확한 답변 정도</a:t>
+              <a:t>과 조화롭게 사용을 했는가</a:t>
             </a:r>
             <a:r>
               <a:rPr lang="en-US" altLang="ko-KR" sz="1600" dirty="0" smtClean="0"/>
-              <a:t>(20%)</a:t>
-            </a:r>
+              <a:t>?</a:t>
+            </a:r>
+            <a:endParaRPr lang="en-US" altLang="ko-KR" sz="1600" dirty="0" smtClean="0"/>
           </a:p>
         </p:txBody>
       </p:sp>
